--- a/2016-11_Seminar/2_Theory_Frameworks.pptx
+++ b/2016-11_Seminar/2_Theory_Frameworks.pptx
@@ -4077,11 +4077,7 @@
             </a:r>
             <a:r>
               <a:rPr lang="de-DE" dirty="0" smtClean="0"/>
-              <a:t> </a:t>
-            </a:r>
-            <a:r>
-              <a:rPr lang="de-DE" dirty="0" smtClean="0"/>
-              <a:t>Learning Frameworks</a:t>
+              <a:t> Learning Frameworks</a:t>
             </a:r>
             <a:endParaRPr lang="de-DE" sz="2400" dirty="0"/>
           </a:p>
@@ -4455,11 +4451,15 @@
             </a:r>
             <a:r>
               <a:rPr lang="en-US" dirty="0" smtClean="0"/>
-              <a:t> implements tons of useful Neuronal Network </a:t>
+              <a:t> implements tons of useful </a:t>
+            </a:r>
+            <a:r>
+              <a:rPr lang="en-US" dirty="0" smtClean="0"/>
+              <a:t>Neural Network </a:t>
             </a:r>
             <a:r>
               <a:rPr lang="en-US" dirty="0" err="1" smtClean="0"/>
-              <a:t>Moduls</a:t>
+              <a:t>moduls</a:t>
             </a:r>
             <a:r>
               <a:rPr lang="en-US" dirty="0" smtClean="0"/>
@@ -4473,12 +4473,12 @@
               <a:t>Feed </a:t>
             </a:r>
             <a:r>
-              <a:rPr lang="en-US" dirty="0" err="1" smtClean="0"/>
-              <a:t>Fordward</a:t>
-            </a:r>
-            <a:r>
               <a:rPr lang="en-US" dirty="0" smtClean="0"/>
-              <a:t> Layers, Convolutional Layers, Recurrent Layers</a:t>
+              <a:t>Forward </a:t>
+            </a:r>
+            <a:r>
+              <a:rPr lang="en-US" dirty="0" smtClean="0"/>
+              <a:t>Layers, Convolutional Layers, Recurrent Layers</a:t>
             </a:r>
           </a:p>
           <a:p>
@@ -5177,7 +5177,6 @@
               <a:rPr lang="en-US" dirty="0" smtClean="0"/>
               <a:t>)</a:t>
             </a:r>
-            <a:endParaRPr lang="en-US" dirty="0" smtClean="0"/>
           </a:p>
           <a:p>
             <a:r>
@@ -5196,7 +5195,6 @@
               <a:rPr lang="en-US" b="1" dirty="0" smtClean="0"/>
               <a:t>Most used frameworks:</a:t>
             </a:r>
-            <a:endParaRPr lang="en-US" b="1" dirty="0" smtClean="0"/>
           </a:p>
           <a:p>
             <a:r>
@@ -5214,7 +5212,6 @@
               <a:rPr lang="en-US" dirty="0" smtClean="0"/>
               <a:t>deep learning frameworks</a:t>
             </a:r>
-            <a:endParaRPr lang="en-US" dirty="0" smtClean="0"/>
           </a:p>
           <a:p>
             <a:pPr lvl="1"/>
@@ -5227,15 +5224,7 @@
             <a:pPr lvl="1"/>
             <a:r>
               <a:rPr lang="en-US" dirty="0" smtClean="0"/>
-              <a:t>Largely used </a:t>
-            </a:r>
-            <a:r>
-              <a:rPr lang="en-US" dirty="0" smtClean="0"/>
-              <a:t>in the research </a:t>
-            </a:r>
-            <a:r>
-              <a:rPr lang="en-US" dirty="0" smtClean="0"/>
-              <a:t>community</a:t>
+              <a:t>Largely used in the research community</a:t>
             </a:r>
           </a:p>
           <a:p>
@@ -5277,7 +5266,6 @@
               <a:rPr lang="en-US" dirty="0" smtClean="0"/>
               <a:t>My recommendation for starters in deep learning – learn TF</a:t>
             </a:r>
-            <a:endParaRPr lang="en-US" dirty="0" smtClean="0"/>
           </a:p>
           <a:p>
             <a:pPr lvl="1"/>
